--- a/process/annual_review_template.pptx
+++ b/process/annual_review_template.pptx
@@ -18776,7 +18776,7 @@
             </a:pPr>
             <a:r>
               <a:rPr lang="en-US" sz="1800"/>
-              <a:t>Incubation project:</a:t>
+              <a:t>Sandbox project:</a:t>
             </a:r>
             <a:endParaRPr sz="1800"/>
           </a:p>
@@ -18796,7 +18796,7 @@
             </a:pPr>
             <a:r>
               <a:rPr lang="en-US" sz="1800"/>
-              <a:t>Review of progress towards Early Adoption Stage</a:t>
+              <a:t>Review of progress towards Incubation Stage</a:t>
             </a:r>
             <a:endParaRPr sz="1800"/>
           </a:p>
@@ -18815,7 +18815,40 @@
               <a:buNone/>
             </a:pPr>
             <a:r>
-              <a:t/>
+              <a:rPr lang="en-US" sz="1800"/>
+              <a:t>Incubation</a:t>
+            </a:r>
+            <a:r>
+              <a:rPr lang="en-US" sz="1800"/>
+              <a:t> project:</a:t>
+            </a:r>
+            <a:endParaRPr sz="1800"/>
+          </a:p>
+          <a:p>
+            <a:pPr indent="-342900" lvl="0" marL="457200" rtl="0" algn="l">
+              <a:lnSpc>
+                <a:spcPct val="100000"/>
+              </a:lnSpc>
+              <a:spcBef>
+                <a:spcPts val="0"/>
+              </a:spcBef>
+              <a:spcAft>
+                <a:spcPts val="0"/>
+              </a:spcAft>
+              <a:buSzPts val="1800"/>
+              <a:buChar char="-"/>
+            </a:pPr>
+            <a:r>
+              <a:rPr lang="en-US" sz="1800"/>
+              <a:t>Review of progress towards </a:t>
+            </a:r>
+            <a:r>
+              <a:rPr lang="en-US" sz="1800"/>
+              <a:t>Adopted</a:t>
+            </a:r>
+            <a:r>
+              <a:rPr lang="en-US" sz="1800"/>
+              <a:t> Stage</a:t>
             </a:r>
             <a:endParaRPr sz="1800"/>
           </a:p>
@@ -18835,66 +18868,7 @@
             </a:pPr>
             <a:r>
               <a:rPr lang="en-US" sz="1800"/>
-              <a:t>Early Adoption project:</a:t>
-            </a:r>
-            <a:endParaRPr sz="1800"/>
-          </a:p>
-          <a:p>
-            <a:pPr indent="-342900" lvl="0" marL="457200" rtl="0" algn="l">
-              <a:lnSpc>
-                <a:spcPct val="100000"/>
-              </a:lnSpc>
-              <a:spcBef>
-                <a:spcPts val="0"/>
-              </a:spcBef>
-              <a:spcAft>
-                <a:spcPts val="0"/>
-              </a:spcAft>
-              <a:buSzPts val="1800"/>
-              <a:buChar char="-"/>
-            </a:pPr>
-            <a:r>
-              <a:rPr lang="en-US" sz="1800"/>
-              <a:t>Review of progress towards Graduated Stage</a:t>
-            </a:r>
-            <a:endParaRPr sz="1800"/>
-          </a:p>
-          <a:p>
-            <a:pPr indent="0" lvl="0" marL="0" rtl="0" algn="l">
-              <a:lnSpc>
-                <a:spcPct val="100000"/>
-              </a:lnSpc>
-              <a:spcBef>
-                <a:spcPts val="0"/>
-              </a:spcBef>
-              <a:spcAft>
-                <a:spcPts val="0"/>
-              </a:spcAft>
-              <a:buSzPts val="2400"/>
-              <a:buNone/>
-            </a:pPr>
-            <a:r>
-              <a:t/>
-            </a:r>
-            <a:endParaRPr sz="1800"/>
-          </a:p>
-          <a:p>
-            <a:pPr indent="0" lvl="0" marL="0" rtl="0" algn="l">
-              <a:lnSpc>
-                <a:spcPct val="100000"/>
-              </a:lnSpc>
-              <a:spcBef>
-                <a:spcPts val="0"/>
-              </a:spcBef>
-              <a:spcAft>
-                <a:spcPts val="0"/>
-              </a:spcAft>
-              <a:buSzPts val="2400"/>
-              <a:buNone/>
-            </a:pPr>
-            <a:r>
-              <a:rPr lang="en-US" sz="1800"/>
-              <a:t>Graduated project:</a:t>
+              <a:t>Adopted project:</a:t>
             </a:r>
             <a:endParaRPr sz="1800"/>
           </a:p>
@@ -18915,6 +18889,45 @@
             <a:r>
               <a:rPr lang="en-US" sz="1800"/>
               <a:t>Review of project maintaining positive growth and adoption</a:t>
+            </a:r>
+            <a:endParaRPr sz="1800"/>
+          </a:p>
+          <a:p>
+            <a:pPr indent="0" lvl="0" marL="0" rtl="0" algn="l">
+              <a:lnSpc>
+                <a:spcPct val="100000"/>
+              </a:lnSpc>
+              <a:spcBef>
+                <a:spcPts val="0"/>
+              </a:spcBef>
+              <a:spcAft>
+                <a:spcPts val="0"/>
+              </a:spcAft>
+              <a:buNone/>
+            </a:pPr>
+            <a:r>
+              <a:rPr lang="en-US" sz="1800"/>
+              <a:t>Working group:</a:t>
+            </a:r>
+            <a:endParaRPr sz="1800"/>
+          </a:p>
+          <a:p>
+            <a:pPr indent="-342900" lvl="0" marL="457200" rtl="0" algn="l">
+              <a:lnSpc>
+                <a:spcPct val="100000"/>
+              </a:lnSpc>
+              <a:spcBef>
+                <a:spcPts val="0"/>
+              </a:spcBef>
+              <a:spcAft>
+                <a:spcPts val="0"/>
+              </a:spcAft>
+              <a:buSzPts val="1800"/>
+              <a:buChar char="-"/>
+            </a:pPr>
+            <a:r>
+              <a:rPr lang="en-US" sz="1800"/>
+              <a:t>Status on deliverables and work left to be completed</a:t>
             </a:r>
             <a:endParaRPr sz="1800"/>
           </a:p>
